--- a/tutorials/source_zh_cn/advanced/pynative_graph/images/framework1.pptx
+++ b/tutorials/source_zh_cn/advanced/pynative_graph/images/framework1.pptx
@@ -378,7 +378,7 @@
               <a:pPr>
                 <a:defRPr/>
               </a:pPr>
-              <a:t>2022/3/17</a:t>
+              <a:t>2022/4/24</a:t>
             </a:fld>
             <a:endParaRPr lang="en-US" altLang="zh-CN"/>
           </a:p>
@@ -631,7 +631,7 @@
             <a:fld id="{C45443A1-D8F2-48CD-A659-3CEDBA8DF541}" type="datetimeFigureOut">
               <a:rPr lang="zh-CN" altLang="en-US" smtClean="0"/>
               <a:pPr/>
-              <a:t>2022/3/17</a:t>
+              <a:t>2022/4/24</a:t>
             </a:fld>
             <a:endParaRPr lang="zh-CN" altLang="en-US"/>
           </a:p>
@@ -17495,7 +17495,7 @@
                 <a:ea typeface="微软雅黑"/>
                 <a:cs typeface="+mn-cs"/>
               </a:rPr>
-              <a:t>Pynative</a:t>
+              <a:t>PyNative</a:t>
             </a:r>
             <a:r>
               <a:rPr kumimoji="0" lang="zh-CN" altLang="en-US" sz="800" b="1" i="0" u="none" strike="noStrike" kern="0" cap="none" spc="0" normalizeH="0" baseline="0" noProof="0" dirty="0">
